--- a/shopee.pptx
+++ b/shopee.pptx
@@ -125,7 +125,7 @@
 <file path=ppt/charts/chart1.xml><?xml version="1.0" encoding="utf-8"?>
 <c:chartSpace xmlns:c="http://schemas.openxmlformats.org/drawingml/2006/chart" xmlns:a="http://schemas.openxmlformats.org/drawingml/2006/main" xmlns:r="http://schemas.openxmlformats.org/officeDocument/2006/relationships">
   <c:date1904 val="0"/>
-  <c:lang val="en-SG"/>
+  <c:lang val="en-US"/>
   <c:roundedCorners val="0"/>
   <mc:AlternateContent xmlns:mc="http://schemas.openxmlformats.org/markup-compatibility/2006">
     <mc:Choice xmlns:c14="http://schemas.microsoft.com/office/drawing/2007/8/2/chart" Requires="c14">
@@ -433,7 +433,7 @@
           <a:p>
             <a:fld id="{903A06A7-A383-4C48-8323-41D82122A6D2}" type="datetimeFigureOut">
               <a:rPr lang="en-SG" smtClean="0"/>
-              <a:t>30/11/2017</a:t>
+              <a:t>6/12/2017</a:t>
             </a:fld>
             <a:endParaRPr lang="en-SG"/>
           </a:p>
@@ -603,7 +603,7 @@
           <a:p>
             <a:fld id="{903A06A7-A383-4C48-8323-41D82122A6D2}" type="datetimeFigureOut">
               <a:rPr lang="en-SG" smtClean="0"/>
-              <a:t>30/11/2017</a:t>
+              <a:t>6/12/2017</a:t>
             </a:fld>
             <a:endParaRPr lang="en-SG"/>
           </a:p>
@@ -783,7 +783,7 @@
           <a:p>
             <a:fld id="{903A06A7-A383-4C48-8323-41D82122A6D2}" type="datetimeFigureOut">
               <a:rPr lang="en-SG" smtClean="0"/>
-              <a:t>30/11/2017</a:t>
+              <a:t>6/12/2017</a:t>
             </a:fld>
             <a:endParaRPr lang="en-SG"/>
           </a:p>
@@ -953,7 +953,7 @@
           <a:p>
             <a:fld id="{903A06A7-A383-4C48-8323-41D82122A6D2}" type="datetimeFigureOut">
               <a:rPr lang="en-SG" smtClean="0"/>
-              <a:t>30/11/2017</a:t>
+              <a:t>6/12/2017</a:t>
             </a:fld>
             <a:endParaRPr lang="en-SG"/>
           </a:p>
@@ -1199,7 +1199,7 @@
           <a:p>
             <a:fld id="{903A06A7-A383-4C48-8323-41D82122A6D2}" type="datetimeFigureOut">
               <a:rPr lang="en-SG" smtClean="0"/>
-              <a:t>30/11/2017</a:t>
+              <a:t>6/12/2017</a:t>
             </a:fld>
             <a:endParaRPr lang="en-SG"/>
           </a:p>
@@ -1487,7 +1487,7 @@
           <a:p>
             <a:fld id="{903A06A7-A383-4C48-8323-41D82122A6D2}" type="datetimeFigureOut">
               <a:rPr lang="en-SG" smtClean="0"/>
-              <a:t>30/11/2017</a:t>
+              <a:t>6/12/2017</a:t>
             </a:fld>
             <a:endParaRPr lang="en-SG"/>
           </a:p>
@@ -1909,7 +1909,7 @@
           <a:p>
             <a:fld id="{903A06A7-A383-4C48-8323-41D82122A6D2}" type="datetimeFigureOut">
               <a:rPr lang="en-SG" smtClean="0"/>
-              <a:t>30/11/2017</a:t>
+              <a:t>6/12/2017</a:t>
             </a:fld>
             <a:endParaRPr lang="en-SG"/>
           </a:p>
@@ -2027,7 +2027,7 @@
           <a:p>
             <a:fld id="{903A06A7-A383-4C48-8323-41D82122A6D2}" type="datetimeFigureOut">
               <a:rPr lang="en-SG" smtClean="0"/>
-              <a:t>30/11/2017</a:t>
+              <a:t>6/12/2017</a:t>
             </a:fld>
             <a:endParaRPr lang="en-SG"/>
           </a:p>
@@ -2122,7 +2122,7 @@
           <a:p>
             <a:fld id="{903A06A7-A383-4C48-8323-41D82122A6D2}" type="datetimeFigureOut">
               <a:rPr lang="en-SG" smtClean="0"/>
-              <a:t>30/11/2017</a:t>
+              <a:t>6/12/2017</a:t>
             </a:fld>
             <a:endParaRPr lang="en-SG"/>
           </a:p>
@@ -2399,7 +2399,7 @@
           <a:p>
             <a:fld id="{903A06A7-A383-4C48-8323-41D82122A6D2}" type="datetimeFigureOut">
               <a:rPr lang="en-SG" smtClean="0"/>
-              <a:t>30/11/2017</a:t>
+              <a:t>6/12/2017</a:t>
             </a:fld>
             <a:endParaRPr lang="en-SG"/>
           </a:p>
@@ -2652,7 +2652,7 @@
           <a:p>
             <a:fld id="{903A06A7-A383-4C48-8323-41D82122A6D2}" type="datetimeFigureOut">
               <a:rPr lang="en-SG" smtClean="0"/>
-              <a:t>30/11/2017</a:t>
+              <a:t>6/12/2017</a:t>
             </a:fld>
             <a:endParaRPr lang="en-SG"/>
           </a:p>
@@ -2865,7 +2865,7 @@
           <a:p>
             <a:fld id="{903A06A7-A383-4C48-8323-41D82122A6D2}" type="datetimeFigureOut">
               <a:rPr lang="en-SG" smtClean="0"/>
-              <a:t>30/11/2017</a:t>
+              <a:t>6/12/2017</a:t>
             </a:fld>
             <a:endParaRPr lang="en-SG"/>
           </a:p>
@@ -3242,35 +3242,6 @@
       </p:grpSpPr>
       <p:sp>
         <p:nvSpPr>
-          <p:cNvPr id="4" name="Rectangle 3"/>
-          <p:cNvSpPr/>
-          <p:nvPr/>
-        </p:nvSpPr>
-        <p:spPr>
-          <a:xfrm>
-            <a:off x="1636782" y="4869160"/>
-            <a:ext cx="4572000" cy="1200329"/>
-          </a:xfrm>
-          <a:prstGeom prst="rect">
-            <a:avLst/>
-          </a:prstGeom>
-        </p:spPr>
-        <p:txBody>
-          <a:bodyPr>
-            <a:spAutoFit/>
-          </a:bodyPr>
-          <a:lstStyle/>
-          <a:p>
-            <a:r>
-              <a:rPr lang="zh-CN" altLang="en-US" dirty="0"/>
-              <a:t>活跃用户更可能使用优惠券，活跃商家所发出的优惠券更可能被使用，用户对某个商家的喜爱程度越高越可能使用这个商家发的优惠券</a:t>
-            </a:r>
-            <a:endParaRPr lang="en-SG" dirty="0"/>
-          </a:p>
-        </p:txBody>
-      </p:sp>
-      <p:sp>
-        <p:nvSpPr>
           <p:cNvPr id="5" name="TextBox 4"/>
           <p:cNvSpPr txBox="1"/>
           <p:nvPr/>
@@ -3278,7 +3249,7 @@
         <p:spPr>
           <a:xfrm>
             <a:off x="556662" y="2204864"/>
-            <a:ext cx="7198509" cy="2308324"/>
+            <a:ext cx="6480941" cy="2031325"/>
           </a:xfrm>
           <a:prstGeom prst="rect">
             <a:avLst/>
@@ -3353,51 +3324,19 @@
             </a:r>
             <a:r>
               <a:rPr lang="en-SG" dirty="0" smtClean="0"/>
-              <a:t>, type…</a:t>
-            </a:r>
-          </a:p>
-          <a:p>
-            <a:pPr marL="342900" indent="-342900">
-              <a:buFont typeface="+mj-lt"/>
-              <a:buAutoNum type="arabicPeriod"/>
-            </a:pPr>
-            <a:r>
-              <a:rPr lang="en-US" dirty="0" smtClean="0"/>
-              <a:t>Shop: </a:t>
-            </a:r>
-            <a:r>
-              <a:rPr lang="en-SG" dirty="0" err="1" smtClean="0"/>
-              <a:t>Total_sales</a:t>
+              <a:t>, type</a:t>
             </a:r>
             <a:r>
               <a:rPr lang="en-SG" dirty="0" smtClean="0"/>
-              <a:t>, </a:t>
-            </a:r>
-            <a:r>
-              <a:rPr lang="en-SG" dirty="0" err="1" smtClean="0"/>
-              <a:t>Sales_use_coupon</a:t>
-            </a:r>
+              <a:t>…</a:t>
+            </a:r>
+          </a:p>
+          <a:p>
             <a:r>
               <a:rPr lang="en-SG" dirty="0" smtClean="0"/>
-              <a:t>, </a:t>
-            </a:r>
-            <a:r>
-              <a:rPr lang="en-SG" dirty="0" err="1" smtClean="0"/>
-              <a:t>Total_coupon</a:t>
-            </a:r>
-            <a:r>
-              <a:rPr lang="en-SG" dirty="0" smtClean="0"/>
-              <a:t>, </a:t>
-            </a:r>
-            <a:r>
-              <a:rPr lang="en-SG" dirty="0" err="1"/>
-              <a:t>Use_coupon_rate</a:t>
-            </a:r>
-            <a:r>
-              <a:rPr lang="en-SG" dirty="0"/>
-              <a:t> </a:t>
-            </a:r>
-            <a:endParaRPr lang="en-US" dirty="0" smtClean="0"/>
+              <a:t>3.   Received date</a:t>
+            </a:r>
+            <a:endParaRPr lang="en-SG" dirty="0" smtClean="0"/>
           </a:p>
           <a:p>
             <a:pPr marL="342900" indent="-342900">
@@ -3405,17 +3344,9 @@
             </a:pPr>
             <a:r>
               <a:rPr lang="en-US" altLang="zh-CN" dirty="0" smtClean="0"/>
-              <a:t>User-shop</a:t>
-            </a:r>
-          </a:p>
-          <a:p>
-            <a:pPr marL="342900" indent="-342900">
-              <a:buAutoNum type="arabicPeriod"/>
-            </a:pPr>
-            <a:r>
-              <a:rPr lang="en-US" altLang="zh-CN" dirty="0" smtClean="0"/>
               <a:t>Voucher-user</a:t>
             </a:r>
+            <a:endParaRPr lang="en-US" altLang="zh-CN" dirty="0" smtClean="0"/>
           </a:p>
           <a:p>
             <a:pPr marL="342900" indent="-342900">
@@ -4563,53 +4494,13 @@
       </p:sp>
       <p:sp>
         <p:nvSpPr>
-          <p:cNvPr id="11" name="Rectangle 10"/>
-          <p:cNvSpPr/>
-          <p:nvPr/>
-        </p:nvSpPr>
-        <p:spPr>
-          <a:xfrm>
-            <a:off x="611560" y="3125998"/>
-            <a:ext cx="4752528" cy="241771"/>
-          </a:xfrm>
-          <a:prstGeom prst="rect">
-            <a:avLst/>
-          </a:prstGeom>
-        </p:spPr>
-        <p:style>
-          <a:lnRef idx="2">
-            <a:schemeClr val="accent1">
-              <a:shade val="50000"/>
-            </a:schemeClr>
-          </a:lnRef>
-          <a:fillRef idx="1">
-            <a:schemeClr val="accent1"/>
-          </a:fillRef>
-          <a:effectRef idx="0">
-            <a:schemeClr val="accent1"/>
-          </a:effectRef>
-          <a:fontRef idx="minor">
-            <a:schemeClr val="lt1"/>
-          </a:fontRef>
-        </p:style>
-        <p:txBody>
-          <a:bodyPr rtlCol="0" anchor="ctr"/>
-          <a:lstStyle/>
-          <a:p>
-            <a:pPr algn="ctr"/>
-            <a:endParaRPr lang="en-SG"/>
-          </a:p>
-        </p:txBody>
-      </p:sp>
-      <p:sp>
-        <p:nvSpPr>
           <p:cNvPr id="12" name="Rectangle 11"/>
           <p:cNvSpPr/>
           <p:nvPr/>
         </p:nvSpPr>
         <p:spPr>
           <a:xfrm>
-            <a:off x="4139952" y="3717032"/>
+            <a:off x="4070597" y="3140968"/>
             <a:ext cx="4389835" cy="241771"/>
           </a:xfrm>
           <a:prstGeom prst="rect">
@@ -4860,11 +4751,7 @@
                     <a:p>
                       <a:r>
                         <a:rPr lang="en-US" dirty="0" smtClean="0"/>
-                        <a:t># of </a:t>
-                      </a:r>
-                      <a:r>
-                        <a:rPr lang="en-US" dirty="0" smtClean="0"/>
-                        <a:t>Received Vouchers (1/3 month)</a:t>
+                        <a:t># of Received Vouchers (1/3 month)</a:t>
                       </a:r>
                       <a:endParaRPr lang="en-SG" dirty="0"/>
                     </a:p>
@@ -5170,15 +5057,7 @@
                     <a:p>
                       <a:r>
                         <a:rPr lang="en-US" dirty="0" smtClean="0"/>
-                        <a:t># of </a:t>
-                      </a:r>
-                      <a:r>
-                        <a:rPr lang="en-US" dirty="0" smtClean="0"/>
-                        <a:t>transitions </a:t>
-                      </a:r>
-                      <a:r>
-                        <a:rPr lang="en-US" dirty="0" smtClean="0"/>
-                        <a:t>(1/3 month)</a:t>
+                        <a:t># of transitions (1/3 month)</a:t>
                       </a:r>
                       <a:endParaRPr lang="en-SG" dirty="0"/>
                     </a:p>
@@ -5218,15 +5097,7 @@
                       </a:pPr>
                       <a:r>
                         <a:rPr lang="en-US" dirty="0" smtClean="0"/>
-                        <a:t># of </a:t>
-                      </a:r>
-                      <a:r>
-                        <a:rPr lang="en-US" dirty="0" smtClean="0"/>
-                        <a:t>transitions </a:t>
-                      </a:r>
-                      <a:r>
-                        <a:rPr lang="en-US" dirty="0" smtClean="0"/>
-                        <a:t>(2/3 month)</a:t>
+                        <a:t># of transitions (2/3 month)</a:t>
                       </a:r>
                       <a:endParaRPr lang="en-SG" dirty="0" smtClean="0"/>
                     </a:p>
@@ -5266,15 +5137,7 @@
                       </a:pPr>
                       <a:r>
                         <a:rPr lang="en-US" dirty="0" smtClean="0"/>
-                        <a:t># of </a:t>
-                      </a:r>
-                      <a:r>
-                        <a:rPr lang="en-US" dirty="0" smtClean="0"/>
-                        <a:t>transitions (</a:t>
-                      </a:r>
-                      <a:r>
-                        <a:rPr lang="en-US" dirty="0" smtClean="0"/>
-                        <a:t>3/3 month)</a:t>
+                        <a:t># of transitions (3/3 month)</a:t>
                       </a:r>
                       <a:endParaRPr lang="en-SG" dirty="0" smtClean="0"/>
                     </a:p>
@@ -5313,11 +5176,7 @@
                     <a:p>
                       <a:r>
                         <a:rPr lang="en-US" dirty="0" smtClean="0"/>
-                        <a:t># of </a:t>
-                      </a:r>
-                      <a:r>
-                        <a:rPr lang="en-US" dirty="0" smtClean="0"/>
-                        <a:t>total price</a:t>
+                        <a:t># of total price</a:t>
                       </a:r>
                       <a:endParaRPr lang="en-SG" dirty="0"/>
                     </a:p>
@@ -5340,15 +5199,7 @@
                     <a:p>
                       <a:r>
                         <a:rPr lang="en-US" dirty="0" smtClean="0"/>
-                        <a:t># of </a:t>
-                      </a:r>
-                      <a:r>
-                        <a:rPr lang="en-US" dirty="0" smtClean="0"/>
-                        <a:t>total price (</a:t>
-                      </a:r>
-                      <a:r>
-                        <a:rPr lang="en-US" dirty="0" smtClean="0"/>
-                        <a:t>1/3 month)</a:t>
+                        <a:t># of total price (1/3 month)</a:t>
                       </a:r>
                       <a:endParaRPr lang="en-SG" dirty="0"/>
                     </a:p>
@@ -5388,15 +5239,7 @@
                       </a:pPr>
                       <a:r>
                         <a:rPr lang="en-US" dirty="0" smtClean="0"/>
-                        <a:t># of </a:t>
-                      </a:r>
-                      <a:r>
-                        <a:rPr lang="en-US" dirty="0" smtClean="0"/>
-                        <a:t>total price (</a:t>
-                      </a:r>
-                      <a:r>
-                        <a:rPr lang="en-US" dirty="0" smtClean="0"/>
-                        <a:t>2/3 month)</a:t>
+                        <a:t># of total price (2/3 month)</a:t>
                       </a:r>
                       <a:endParaRPr lang="en-SG" dirty="0" smtClean="0"/>
                     </a:p>
@@ -5436,15 +5279,7 @@
                       </a:pPr>
                       <a:r>
                         <a:rPr lang="en-US" dirty="0" smtClean="0"/>
-                        <a:t># of </a:t>
-                      </a:r>
-                      <a:r>
-                        <a:rPr lang="en-US" dirty="0" smtClean="0"/>
-                        <a:t>total price (</a:t>
-                      </a:r>
-                      <a:r>
-                        <a:rPr lang="en-US" dirty="0" smtClean="0"/>
-                        <a:t>3/3 month)</a:t>
+                        <a:t># of total price (3/3 month)</a:t>
                       </a:r>
                       <a:endParaRPr lang="en-SG" dirty="0" smtClean="0"/>
                     </a:p>
@@ -5594,70 +5429,6 @@
           </a:graphicData>
         </a:graphic>
       </p:graphicFrame>
-      <p:pic>
-        <p:nvPicPr>
-          <p:cNvPr id="4099" name="Picture 3"/>
-          <p:cNvPicPr>
-            <a:picLocks noChangeAspect="1" noChangeArrowheads="1"/>
-          </p:cNvPicPr>
-          <p:nvPr/>
-        </p:nvPicPr>
-        <p:blipFill>
-          <a:blip r:embed="rId2">
-            <a:extLst>
-              <a:ext uri="{28A0092B-C50C-407E-A947-70E740481C1C}">
-                <a14:useLocalDpi xmlns:a14="http://schemas.microsoft.com/office/drawing/2010/main" val="0"/>
-              </a:ext>
-            </a:extLst>
-          </a:blip>
-          <a:srcRect/>
-          <a:stretch>
-            <a:fillRect/>
-          </a:stretch>
-        </p:blipFill>
-        <p:spPr bwMode="auto">
-          <a:xfrm>
-            <a:off x="9684568" y="10294"/>
-            <a:ext cx="3863305" cy="7836207"/>
-          </a:xfrm>
-          <a:prstGeom prst="rect">
-            <a:avLst/>
-          </a:prstGeom>
-          <a:noFill/>
-          <a:ln>
-            <a:noFill/>
-          </a:ln>
-          <a:effectLst/>
-          <a:extLst>
-            <a:ext uri="{909E8E84-426E-40DD-AFC4-6F175D3DCCD1}">
-              <a14:hiddenFill xmlns:a14="http://schemas.microsoft.com/office/drawing/2010/main">
-                <a:solidFill>
-                  <a:schemeClr val="accent1"/>
-                </a:solidFill>
-              </a14:hiddenFill>
-            </a:ext>
-            <a:ext uri="{91240B29-F687-4F45-9708-019B960494DF}">
-              <a14:hiddenLine xmlns:a14="http://schemas.microsoft.com/office/drawing/2010/main" w="9525">
-                <a:solidFill>
-                  <a:schemeClr val="tx1"/>
-                </a:solidFill>
-                <a:miter lim="800000"/>
-                <a:headEnd/>
-                <a:tailEnd/>
-              </a14:hiddenLine>
-            </a:ext>
-            <a:ext uri="{AF507438-7753-43E0-B8FC-AC1667EBCBE1}">
-              <a14:hiddenEffects xmlns:a14="http://schemas.microsoft.com/office/drawing/2010/main">
-                <a:effectLst>
-                  <a:outerShdw dist="35921" dir="2700000" algn="ctr" rotWithShape="0">
-                    <a:schemeClr val="bg2"/>
-                  </a:outerShdw>
-                </a:effectLst>
-              </a14:hiddenEffects>
-            </a:ext>
-          </a:extLst>
-        </p:spPr>
-      </p:pic>
       <p:graphicFrame>
         <p:nvGraphicFramePr>
           <p:cNvPr id="18" name="Table 17"/>
@@ -5797,8 +5568,8 @@
         </p:nvSpPr>
         <p:spPr>
           <a:xfrm>
-            <a:off x="1907704" y="3789040"/>
-            <a:ext cx="4390497" cy="1569660"/>
+            <a:off x="185763" y="3789040"/>
+            <a:ext cx="7834388" cy="1015663"/>
           </a:xfrm>
           <a:prstGeom prst="rect">
             <a:avLst/>
@@ -5813,7 +5584,7 @@
           <a:p>
             <a:pPr algn="ctr"/>
             <a:r>
-              <a:rPr lang="en-US" sz="9600" b="1" cap="none" spc="0" dirty="0" smtClean="0">
+              <a:rPr lang="en-US" sz="6000" b="1" cap="none" spc="0" dirty="0" smtClean="0">
                 <a:ln w="17780" cmpd="sng">
                   <a:solidFill>
                     <a:schemeClr val="accent1">
@@ -5848,9 +5619,9 @@
                   </a:outerShdw>
                 </a:effectLst>
               </a:rPr>
-              <a:t>features</a:t>
-            </a:r>
-            <a:endParaRPr lang="en-US" sz="5400" b="1" cap="none" spc="0" dirty="0">
+              <a:t>Features: naodong.docx</a:t>
+            </a:r>
+            <a:endParaRPr lang="en-US" sz="3200" b="1" cap="none" spc="0" dirty="0">
               <a:ln w="17780" cmpd="sng">
                 <a:solidFill>
                   <a:schemeClr val="accent1">
